--- a/SABD2.pptx
+++ b/SABD2.pptx
@@ -6961,7 +6961,10 @@
                 <c:formatCode>General</c:formatCode>
                 <c:ptCount val="3"/>
                 <c:pt idx="0">
-                  <c:v>747</c:v>
+                  <c:v>498</c:v>
+                </c:pt>
+                <c:pt idx="1">
+                  <c:v>608</c:v>
                 </c:pt>
               </c:numCache>
             </c:numRef>
@@ -7725,10 +7728,10 @@
                 <c:formatCode>General</c:formatCode>
                 <c:ptCount val="3"/>
                 <c:pt idx="0">
-                  <c:v>187079.54716981133</c:v>
+                  <c:v>374159.09433962265</c:v>
                 </c:pt>
                 <c:pt idx="2">
-                  <c:v>760.14468750000003</c:v>
+                  <c:v>1520.2893750000001</c:v>
                 </c:pt>
               </c:numCache>
             </c:numRef>
@@ -7867,7 +7870,10 @@
                 <c:formatCode>General</c:formatCode>
                 <c:ptCount val="3"/>
                 <c:pt idx="0">
-                  <c:v>33092.136270491806</c:v>
+                  <c:v>109616.10989010989</c:v>
+                </c:pt>
+                <c:pt idx="1">
+                  <c:v>85650.850840336134</c:v>
                 </c:pt>
               </c:numCache>
             </c:numRef>
@@ -8661,6 +8667,126 @@
           <c:extLst>
             <c:ext xmlns:c16="http://schemas.microsoft.com/office/drawing/2014/chart" uri="{C3380CC4-5D6E-409C-BE32-E72D297353CC}">
               <c16:uniqueId val="{00000000-8E16-47B2-88EB-E46E345F553A}"/>
+            </c:ext>
+          </c:extLst>
+        </c:ser>
+        <c:ser>
+          <c:idx val="3"/>
+          <c:order val="3"/>
+          <c:tx>
+            <c:strRef>
+              <c:f>Foglio1!$E$1</c:f>
+              <c:strCache>
+                <c:ptCount val="1"/>
+                <c:pt idx="0">
+                  <c:v>Spark-Kafka</c:v>
+                </c:pt>
+              </c:strCache>
+            </c:strRef>
+          </c:tx>
+          <c:spPr>
+            <a:solidFill>
+              <a:schemeClr val="accent4"/>
+            </a:solidFill>
+            <a:ln>
+              <a:noFill/>
+            </a:ln>
+            <a:effectLst/>
+          </c:spPr>
+          <c:invertIfNegative val="0"/>
+          <c:dLbls>
+            <c:spPr>
+              <a:noFill/>
+              <a:ln>
+                <a:noFill/>
+              </a:ln>
+              <a:effectLst/>
+            </c:spPr>
+            <c:txPr>
+              <a:bodyPr rot="0" spcFirstLastPara="1" vertOverflow="ellipsis" vert="horz" wrap="square" lIns="38100" tIns="19050" rIns="38100" bIns="19050" anchor="ctr" anchorCtr="1">
+                <a:spAutoFit/>
+              </a:bodyPr>
+              <a:lstStyle/>
+              <a:p>
+                <a:pPr>
+                  <a:defRPr sz="1197" b="0" i="0" u="none" strike="noStrike" kern="1200" baseline="0">
+                    <a:solidFill>
+                      <a:schemeClr val="tx1">
+                        <a:lumMod val="75000"/>
+                        <a:lumOff val="25000"/>
+                      </a:schemeClr>
+                    </a:solidFill>
+                    <a:latin typeface="+mn-lt"/>
+                    <a:ea typeface="+mn-ea"/>
+                    <a:cs typeface="+mn-cs"/>
+                  </a:defRPr>
+                </a:pPr>
+                <a:endParaRPr lang="it-IT"/>
+              </a:p>
+            </c:txPr>
+            <c:dLblPos val="outEnd"/>
+            <c:showLegendKey val="0"/>
+            <c:showVal val="1"/>
+            <c:showCatName val="0"/>
+            <c:showSerName val="0"/>
+            <c:showPercent val="0"/>
+            <c:showBubbleSize val="0"/>
+            <c:showLeaderLines val="0"/>
+            <c:extLst>
+              <c:ext xmlns:c15="http://schemas.microsoft.com/office/drawing/2012/chart" uri="{CE6537A1-D6FC-4f65-9D91-7224C49458BB}">
+                <c15:showLeaderLines val="1"/>
+                <c15:leaderLines>
+                  <c:spPr>
+                    <a:ln w="9525" cap="flat" cmpd="sng" algn="ctr">
+                      <a:solidFill>
+                        <a:schemeClr val="tx1">
+                          <a:lumMod val="35000"/>
+                          <a:lumOff val="65000"/>
+                        </a:schemeClr>
+                      </a:solidFill>
+                      <a:round/>
+                    </a:ln>
+                    <a:effectLst/>
+                  </c:spPr>
+                </c15:leaderLines>
+              </c:ext>
+            </c:extLst>
+          </c:dLbls>
+          <c:cat>
+            <c:strRef>
+              <c:f>Foglio1!$A$2:$A$4</c:f>
+              <c:strCache>
+                <c:ptCount val="3"/>
+                <c:pt idx="0">
+                  <c:v>1 minuto</c:v>
+                </c:pt>
+                <c:pt idx="1">
+                  <c:v>5  minuti</c:v>
+                </c:pt>
+                <c:pt idx="2">
+                  <c:v>68 minuti</c:v>
+                </c:pt>
+              </c:strCache>
+            </c:strRef>
+          </c:cat>
+          <c:val>
+            <c:numRef>
+              <c:f>Foglio1!$E$2:$E$4</c:f>
+              <c:numCache>
+                <c:formatCode>General</c:formatCode>
+                <c:ptCount val="3"/>
+                <c:pt idx="0">
+                  <c:v>440</c:v>
+                </c:pt>
+                <c:pt idx="1">
+                  <c:v>280</c:v>
+                </c:pt>
+              </c:numCache>
+            </c:numRef>
+          </c:val>
+          <c:extLst>
+            <c:ext xmlns:c16="http://schemas.microsoft.com/office/drawing/2014/chart" uri="{C3380CC4-5D6E-409C-BE32-E72D297353CC}">
+              <c16:uniqueId val="{00000000-01E7-4861-83C1-7EAA89509569}"/>
             </c:ext>
           </c:extLst>
         </c:ser>
@@ -20165,6 +20291,7 @@
           <a:bodyPr/>
           <a:lstStyle/>
           <a:p>
+            <a:pPr algn="ctr"/>
             <a:r>
               <a:rPr lang="it-IT" dirty="0"/>
               <a:t>Query2</a:t>
@@ -20723,6 +20850,7 @@
           <a:bodyPr/>
           <a:lstStyle/>
           <a:p>
+            <a:pPr algn="ctr"/>
             <a:r>
               <a:rPr lang="it-IT" dirty="0"/>
               <a:t>Campo Di Gioco</a:t>
@@ -29113,6 +29241,7 @@
           <a:bodyPr/>
           <a:lstStyle/>
           <a:p>
+            <a:pPr algn="ctr"/>
             <a:r>
               <a:rPr lang="it-IT" dirty="0"/>
               <a:t>Query 3</a:t>
@@ -29915,6 +30044,7 @@
           <a:bodyPr/>
           <a:lstStyle/>
           <a:p>
+            <a:pPr algn="ctr"/>
             <a:r>
               <a:rPr lang="it-IT" dirty="0" err="1"/>
               <a:t>Testing</a:t>
@@ -30005,6 +30135,7 @@
           <a:bodyPr/>
           <a:lstStyle/>
           <a:p>
+            <a:pPr algn="ctr"/>
             <a:r>
               <a:rPr lang="it-IT" dirty="0"/>
               <a:t>Query1 Test</a:t>
@@ -30094,6 +30225,7 @@
           <a:bodyPr/>
           <a:lstStyle/>
           <a:p>
+            <a:pPr algn="ctr"/>
             <a:r>
               <a:rPr lang="it-IT" dirty="0"/>
               <a:t>Query1 Test</a:t>
@@ -30183,6 +30315,7 @@
           <a:bodyPr/>
           <a:lstStyle/>
           <a:p>
+            <a:pPr algn="ctr"/>
             <a:r>
               <a:rPr lang="it-IT" dirty="0"/>
               <a:t>Query2 Test</a:t>
@@ -30272,6 +30405,7 @@
           <a:bodyPr/>
           <a:lstStyle/>
           <a:p>
+            <a:pPr algn="ctr"/>
             <a:r>
               <a:rPr lang="it-IT" dirty="0"/>
               <a:t>Query2 Test</a:t>
@@ -30361,6 +30495,7 @@
           <a:bodyPr/>
           <a:lstStyle/>
           <a:p>
+            <a:pPr algn="ctr"/>
             <a:r>
               <a:rPr lang="it-IT" dirty="0"/>
               <a:t>Query3 Test</a:t>
@@ -30450,6 +30585,7 @@
           <a:bodyPr/>
           <a:lstStyle/>
           <a:p>
+            <a:pPr algn="ctr"/>
             <a:r>
               <a:rPr lang="it-IT" dirty="0"/>
               <a:t>Query3 Test</a:t>
@@ -30710,6 +30846,7 @@
           <a:bodyPr/>
           <a:lstStyle/>
           <a:p>
+            <a:pPr algn="ctr"/>
             <a:r>
               <a:rPr lang="it-IT" dirty="0"/>
               <a:t>Conclusioni</a:t>
@@ -30830,7 +30967,7 @@
           <a:p>
             <a:r>
               <a:rPr lang="it-IT" dirty="0"/>
-              <a:t>Anche lui ha effettuati i test utilizzando due configurazioni differenti:</a:t>
+              <a:t>I test effettuati sono finalizzati ad attuare:</a:t>
             </a:r>
           </a:p>
           <a:p>
@@ -30894,6 +31031,7 @@
           <a:bodyPr/>
           <a:lstStyle/>
           <a:p>
+            <a:pPr algn="ctr"/>
             <a:r>
               <a:rPr lang="it-IT" dirty="0"/>
               <a:t>Parte Opzionale</a:t>
@@ -30947,7 +31085,7 @@
             <p:ph idx="1"/>
             <p:extLst>
               <p:ext uri="{D42A27DB-BD31-4B8C-83A1-F6EECF244321}">
-                <p14:modId xmlns:p14="http://schemas.microsoft.com/office/powerpoint/2010/main" val="3755736318"/>
+                <p14:modId xmlns:p14="http://schemas.microsoft.com/office/powerpoint/2010/main" val="3224041056"/>
               </p:ext>
             </p:extLst>
           </p:nvPr>
@@ -30983,6 +31121,7 @@
           <a:bodyPr/>
           <a:lstStyle/>
           <a:p>
+            <a:pPr algn="ctr"/>
             <a:r>
               <a:rPr lang="it-IT" dirty="0"/>
               <a:t>Query1 Parte Opzionale</a:t>
@@ -31036,7 +31175,7 @@
             <p:ph idx="1"/>
             <p:extLst>
               <p:ext uri="{D42A27DB-BD31-4B8C-83A1-F6EECF244321}">
-                <p14:modId xmlns:p14="http://schemas.microsoft.com/office/powerpoint/2010/main" val="245435953"/>
+                <p14:modId xmlns:p14="http://schemas.microsoft.com/office/powerpoint/2010/main" val="2772317888"/>
               </p:ext>
             </p:extLst>
           </p:nvPr>
@@ -31072,6 +31211,7 @@
           <a:bodyPr/>
           <a:lstStyle/>
           <a:p>
+            <a:pPr algn="ctr"/>
             <a:r>
               <a:rPr lang="it-IT" dirty="0"/>
               <a:t>Query1 Parte Opzionale</a:t>
@@ -31125,7 +31265,7 @@
             <p:ph idx="1"/>
             <p:extLst>
               <p:ext uri="{D42A27DB-BD31-4B8C-83A1-F6EECF244321}">
-                <p14:modId xmlns:p14="http://schemas.microsoft.com/office/powerpoint/2010/main" val="2204050195"/>
+                <p14:modId xmlns:p14="http://schemas.microsoft.com/office/powerpoint/2010/main" val="540567755"/>
               </p:ext>
             </p:extLst>
           </p:nvPr>
@@ -31161,6 +31301,7 @@
           <a:bodyPr/>
           <a:lstStyle/>
           <a:p>
+            <a:pPr algn="ctr"/>
             <a:r>
               <a:rPr lang="it-IT" dirty="0"/>
               <a:t>Query2 Parte Opzionale</a:t>
@@ -31214,7 +31355,7 @@
             <p:ph idx="1"/>
             <p:extLst>
               <p:ext uri="{D42A27DB-BD31-4B8C-83A1-F6EECF244321}">
-                <p14:modId xmlns:p14="http://schemas.microsoft.com/office/powerpoint/2010/main" val="3685996511"/>
+                <p14:modId xmlns:p14="http://schemas.microsoft.com/office/powerpoint/2010/main" val="2247995482"/>
               </p:ext>
             </p:extLst>
           </p:nvPr>
@@ -31250,6 +31391,7 @@
           <a:bodyPr/>
           <a:lstStyle/>
           <a:p>
+            <a:pPr algn="ctr"/>
             <a:r>
               <a:rPr lang="it-IT" dirty="0"/>
               <a:t>Query2 Parte Opzionale</a:t>
@@ -31339,6 +31481,7 @@
           <a:bodyPr/>
           <a:lstStyle/>
           <a:p>
+            <a:pPr algn="ctr"/>
             <a:r>
               <a:rPr lang="it-IT" dirty="0"/>
               <a:t>Query3 Parte Opzionale</a:t>
@@ -31392,7 +31535,7 @@
             <p:ph idx="1"/>
             <p:extLst>
               <p:ext uri="{D42A27DB-BD31-4B8C-83A1-F6EECF244321}">
-                <p14:modId xmlns:p14="http://schemas.microsoft.com/office/powerpoint/2010/main" val="2543214717"/>
+                <p14:modId xmlns:p14="http://schemas.microsoft.com/office/powerpoint/2010/main" val="705043573"/>
               </p:ext>
             </p:extLst>
           </p:nvPr>
@@ -31428,6 +31571,7 @@
           <a:bodyPr/>
           <a:lstStyle/>
           <a:p>
+            <a:pPr algn="ctr"/>
             <a:r>
               <a:rPr lang="it-IT" dirty="0"/>
               <a:t>Query3 Parte Opzionale</a:t>
@@ -32408,6 +32552,7 @@
           <a:bodyPr/>
           <a:lstStyle/>
           <a:p>
+            <a:pPr algn="ctr"/>
             <a:r>
               <a:rPr lang="it-IT" dirty="0"/>
               <a:t>Apache </a:t>
@@ -32620,6 +32765,7 @@
           <a:bodyPr/>
           <a:lstStyle/>
           <a:p>
+            <a:pPr algn="ctr"/>
             <a:r>
               <a:rPr lang="it-IT" dirty="0" err="1"/>
               <a:t>RabbitMQ</a:t>
@@ -32820,6 +32966,7 @@
           <a:bodyPr/>
           <a:lstStyle/>
           <a:p>
+            <a:pPr algn="ctr"/>
             <a:r>
               <a:rPr lang="it-IT" dirty="0"/>
               <a:t>Definizioni Source &amp; </a:t>
@@ -32922,6 +33069,7 @@
           <a:bodyPr/>
           <a:lstStyle/>
           <a:p>
+            <a:pPr algn="ctr"/>
             <a:r>
               <a:rPr lang="it-IT" dirty="0"/>
               <a:t>Query1</a:t>

--- a/SABD2.pptx
+++ b/SABD2.pptx
@@ -788,7 +788,7 @@
           <a:lstStyle/>
           <a:p>
             <a:pPr>
-              <a:defRPr sz="1862" b="0" i="0" u="none" strike="noStrike" kern="1200" spc="0" baseline="0">
+              <a:defRPr sz="1862" b="1" i="0" u="none" strike="noStrike" kern="1200" spc="0" baseline="0">
                 <a:solidFill>
                   <a:schemeClr val="tx1">
                     <a:lumMod val="65000"/>
@@ -801,10 +801,10 @@
               </a:defRPr>
             </a:pPr>
             <a:r>
-              <a:rPr lang="it-IT" dirty="0" err="1"/>
+              <a:rPr lang="it-IT" b="1" dirty="0" err="1"/>
               <a:t>Throughput</a:t>
             </a:r>
-            <a:endParaRPr lang="it-IT" dirty="0"/>
+            <a:endParaRPr lang="it-IT" b="1" dirty="0"/>
           </a:p>
         </c:rich>
       </c:tx>
@@ -821,7 +821,7 @@
         <a:lstStyle/>
         <a:p>
           <a:pPr>
-            <a:defRPr sz="1862" b="0" i="0" u="none" strike="noStrike" kern="1200" spc="0" baseline="0">
+            <a:defRPr sz="1862" b="1" i="0" u="none" strike="noStrike" kern="1200" spc="0" baseline="0">
               <a:solidFill>
                 <a:schemeClr val="tx1">
                   <a:lumMod val="65000"/>
@@ -1116,6 +1116,28 @@
           <c:invertIfNegative val="0"/>
           <c:dLbls>
             <c:dLbl>
+              <c:idx val="0"/>
+              <c:layout>
+                <c:manualLayout>
+                  <c:x val="-5.658370848008886E-17"/>
+                  <c:y val="-5.6120665617608027E-2"/>
+                </c:manualLayout>
+              </c:layout>
+              <c:dLblPos val="outEnd"/>
+              <c:showLegendKey val="0"/>
+              <c:showVal val="1"/>
+              <c:showCatName val="0"/>
+              <c:showSerName val="0"/>
+              <c:showPercent val="0"/>
+              <c:showBubbleSize val="0"/>
+              <c:extLst>
+                <c:ext xmlns:c15="http://schemas.microsoft.com/office/drawing/2012/chart" uri="{CE6537A1-D6FC-4f65-9D91-7224C49458BB}"/>
+                <c:ext xmlns:c16="http://schemas.microsoft.com/office/drawing/2014/chart" uri="{C3380CC4-5D6E-409C-BE32-E72D297353CC}">
+                  <c16:uniqueId val="{00000002-CA6D-4B8D-BD22-9037AE4ADC6D}"/>
+                </c:ext>
+              </c:extLst>
+            </c:dLbl>
+            <c:dLbl>
               <c:idx val="2"/>
               <c:layout>
                 <c:manualLayout>
@@ -1232,6 +1254,151 @@
           <c:extLst>
             <c:ext xmlns:c16="http://schemas.microsoft.com/office/drawing/2014/chart" uri="{C3380CC4-5D6E-409C-BE32-E72D297353CC}">
               <c16:uniqueId val="{00000000-453F-48D3-950E-A1F88638136A}"/>
+            </c:ext>
+          </c:extLst>
+        </c:ser>
+        <c:ser>
+          <c:idx val="3"/>
+          <c:order val="3"/>
+          <c:tx>
+            <c:strRef>
+              <c:f>Foglio1!$E$1</c:f>
+              <c:strCache>
+                <c:ptCount val="1"/>
+                <c:pt idx="0">
+                  <c:v>Spark-Kafka</c:v>
+                </c:pt>
+              </c:strCache>
+            </c:strRef>
+          </c:tx>
+          <c:spPr>
+            <a:solidFill>
+              <a:schemeClr val="accent4"/>
+            </a:solidFill>
+            <a:ln>
+              <a:noFill/>
+            </a:ln>
+            <a:effectLst/>
+          </c:spPr>
+          <c:invertIfNegative val="0"/>
+          <c:dLbls>
+            <c:dLbl>
+              <c:idx val="0"/>
+              <c:layout>
+                <c:manualLayout>
+                  <c:x val="4.6296296296296294E-3"/>
+                  <c:y val="-1.1224133123521584E-2"/>
+                </c:manualLayout>
+              </c:layout>
+              <c:dLblPos val="outEnd"/>
+              <c:showLegendKey val="0"/>
+              <c:showVal val="1"/>
+              <c:showCatName val="0"/>
+              <c:showSerName val="0"/>
+              <c:showPercent val="0"/>
+              <c:showBubbleSize val="0"/>
+              <c:extLst>
+                <c:ext xmlns:c15="http://schemas.microsoft.com/office/drawing/2012/chart" uri="{CE6537A1-D6FC-4f65-9D91-7224C49458BB}"/>
+                <c:ext xmlns:c16="http://schemas.microsoft.com/office/drawing/2014/chart" uri="{C3380CC4-5D6E-409C-BE32-E72D297353CC}">
+                  <c16:uniqueId val="{00000001-CA6D-4B8D-BD22-9037AE4ADC6D}"/>
+                </c:ext>
+              </c:extLst>
+            </c:dLbl>
+            <c:spPr>
+              <a:noFill/>
+              <a:ln>
+                <a:noFill/>
+              </a:ln>
+              <a:effectLst/>
+            </c:spPr>
+            <c:txPr>
+              <a:bodyPr rot="0" spcFirstLastPara="1" vertOverflow="ellipsis" vert="horz" wrap="square" lIns="38100" tIns="19050" rIns="38100" bIns="19050" anchor="ctr" anchorCtr="1">
+                <a:spAutoFit/>
+              </a:bodyPr>
+              <a:lstStyle/>
+              <a:p>
+                <a:pPr>
+                  <a:defRPr sz="1197" b="1" i="0" u="none" strike="noStrike" kern="1200" baseline="0">
+                    <a:solidFill>
+                      <a:schemeClr val="tx1">
+                        <a:lumMod val="75000"/>
+                        <a:lumOff val="25000"/>
+                      </a:schemeClr>
+                    </a:solidFill>
+                    <a:latin typeface="+mn-lt"/>
+                    <a:ea typeface="+mn-ea"/>
+                    <a:cs typeface="+mn-cs"/>
+                  </a:defRPr>
+                </a:pPr>
+                <a:endParaRPr lang="it-IT"/>
+              </a:p>
+            </c:txPr>
+            <c:dLblPos val="outEnd"/>
+            <c:showLegendKey val="0"/>
+            <c:showVal val="1"/>
+            <c:showCatName val="0"/>
+            <c:showSerName val="0"/>
+            <c:showPercent val="0"/>
+            <c:showBubbleSize val="0"/>
+            <c:showLeaderLines val="0"/>
+            <c:extLst>
+              <c:ext xmlns:c15="http://schemas.microsoft.com/office/drawing/2012/chart" uri="{CE6537A1-D6FC-4f65-9D91-7224C49458BB}">
+                <c15:showLeaderLines val="1"/>
+                <c15:leaderLines>
+                  <c:spPr>
+                    <a:ln w="9525" cap="flat" cmpd="sng" algn="ctr">
+                      <a:solidFill>
+                        <a:schemeClr val="tx1">
+                          <a:lumMod val="35000"/>
+                          <a:lumOff val="65000"/>
+                        </a:schemeClr>
+                      </a:solidFill>
+                      <a:round/>
+                    </a:ln>
+                    <a:effectLst/>
+                  </c:spPr>
+                </c15:leaderLines>
+              </c:ext>
+            </c:extLst>
+          </c:dLbls>
+          <c:cat>
+            <c:strRef>
+              <c:f>Foglio1!$A$2:$A$4</c:f>
+              <c:strCache>
+                <c:ptCount val="3"/>
+                <c:pt idx="0">
+                  <c:v>1 minuto</c:v>
+                </c:pt>
+                <c:pt idx="1">
+                  <c:v>5  minuti</c:v>
+                </c:pt>
+                <c:pt idx="2">
+                  <c:v>68 minuti</c:v>
+                </c:pt>
+              </c:strCache>
+            </c:strRef>
+          </c:cat>
+          <c:val>
+            <c:numRef>
+              <c:f>Foglio1!$E$2:$E$4</c:f>
+              <c:numCache>
+                <c:formatCode>General</c:formatCode>
+                <c:ptCount val="3"/>
+                <c:pt idx="0">
+                  <c:v>120248.56990394877</c:v>
+                </c:pt>
+                <c:pt idx="1">
+                  <c:v>258477.99999999997</c:v>
+                </c:pt>
+                <c:pt idx="2">
+                  <c:v>49658.191919191922</c:v>
+                </c:pt>
+              </c:numCache>
+            </c:numRef>
+          </c:val>
+          <c:extLst>
+            <c:ext xmlns:c16="http://schemas.microsoft.com/office/drawing/2014/chart" uri="{C3380CC4-5D6E-409C-BE32-E72D297353CC}">
+              <c16:uniqueId val="{00000000-CA6D-4B8D-BD22-9037AE4ADC6D}"/>
             </c:ext>
           </c:extLst>
         </c:ser>
@@ -2617,7 +2784,7 @@
               <c:strCache>
                 <c:ptCount val="1"/>
                 <c:pt idx="0">
-                  <c:v>Colonna1</c:v>
+                  <c:v>Spark</c:v>
                 </c:pt>
               </c:strCache>
             </c:strRef>
@@ -4050,7 +4217,7 @@
                   <c:v>5340</c:v>
                 </c:pt>
                 <c:pt idx="1">
-                  <c:v>5220</c:v>
+                  <c:v>5400</c:v>
                 </c:pt>
                 <c:pt idx="2">
                   <c:v>5760</c:v>
@@ -6843,6 +7010,9 @@
                 <c:pt idx="0">
                   <c:v>501</c:v>
                 </c:pt>
+                <c:pt idx="1">
+                  <c:v>364</c:v>
+                </c:pt>
                 <c:pt idx="2">
                   <c:v>1019</c:v>
                 </c:pt>
@@ -6965,6 +7135,9 @@
                 </c:pt>
                 <c:pt idx="1">
                   <c:v>608</c:v>
+                </c:pt>
+                <c:pt idx="2">
+                  <c:v>440</c:v>
                 </c:pt>
               </c:numCache>
             </c:numRef>
@@ -7630,7 +7803,7 @@
               <c:layout>
                 <c:manualLayout>
                   <c:x val="0"/>
-                  <c:y val="-6.4538765460249115E-2"/>
+                  <c:y val="-8.1374965145531497E-2"/>
                 </c:manualLayout>
               </c:layout>
               <c:dLblPos val="outEnd"/>
@@ -7729,6 +7902,9 @@
                 <c:ptCount val="3"/>
                 <c:pt idx="0">
                   <c:v>374159.09433962265</c:v>
+                </c:pt>
+                <c:pt idx="1">
+                  <c:v>155832.97482837527</c:v>
                 </c:pt>
                 <c:pt idx="2">
                   <c:v>1520.2893750000001</c:v>
@@ -7874,6 +8050,9 @@
                 </c:pt>
                 <c:pt idx="1">
                   <c:v>85650.850840336134</c:v>
+                </c:pt>
+                <c:pt idx="2">
+                  <c:v>48777.397691500526</c:v>
                 </c:pt>
               </c:numCache>
             </c:numRef>
@@ -8161,7 +8340,7 @@
       </c:valAx>
       <c:spPr>
         <a:noFill/>
-        <a:ln>
+        <a:ln w="25400">
           <a:noFill/>
         </a:ln>
         <a:effectLst/>
@@ -8709,7 +8888,7 @@
               <a:lstStyle/>
               <a:p>
                 <a:pPr>
-                  <a:defRPr sz="1197" b="0" i="0" u="none" strike="noStrike" kern="1200" baseline="0">
+                  <a:defRPr sz="1197" b="1" i="0" u="none" strike="noStrike" kern="1200" baseline="0">
                     <a:solidFill>
                       <a:schemeClr val="tx1">
                         <a:lumMod val="75000"/>
@@ -8780,6 +8959,9 @@
                 </c:pt>
                 <c:pt idx="1">
                   <c:v>280</c:v>
+                </c:pt>
+                <c:pt idx="2">
+                  <c:v>420</c:v>
                 </c:pt>
               </c:numCache>
             </c:numRef>
@@ -16225,7 +16407,7 @@
             <a:fld id="{544213AF-26F6-41FA-8D85-E2C5388D6E58}" type="datetimeFigureOut">
               <a:rPr lang="en-US" smtClean="0"/>
               <a:pPr eaLnBrk="1" latinLnBrk="0" hangingPunct="1"/>
-              <a:t>7/17/2017</a:t>
+              <a:t>7/18/2017</a:t>
             </a:fld>
             <a:endParaRPr lang="en-US" dirty="0">
               <a:solidFill>
@@ -16432,7 +16614,7 @@
             <a:fld id="{544213AF-26F6-41FA-8D85-E2C5388D6E58}" type="datetimeFigureOut">
               <a:rPr lang="en-US" smtClean="0"/>
               <a:pPr eaLnBrk="1" latinLnBrk="0" hangingPunct="1"/>
-              <a:t>7/17/2017</a:t>
+              <a:t>7/18/2017</a:t>
             </a:fld>
             <a:endParaRPr lang="en-US"/>
           </a:p>
@@ -16610,7 +16792,7 @@
             <a:fld id="{544213AF-26F6-41FA-8D85-E2C5388D6E58}" type="datetimeFigureOut">
               <a:rPr lang="en-US" smtClean="0"/>
               <a:pPr eaLnBrk="1" latinLnBrk="0" hangingPunct="1"/>
-              <a:t>7/17/2017</a:t>
+              <a:t>7/18/2017</a:t>
             </a:fld>
             <a:endParaRPr lang="en-US"/>
           </a:p>
@@ -16756,7 +16938,7 @@
             <a:fld id="{544213AF-26F6-41FA-8D85-E2C5388D6E58}" type="datetimeFigureOut">
               <a:rPr lang="en-US" smtClean="0"/>
               <a:pPr eaLnBrk="1" latinLnBrk="0" hangingPunct="1"/>
-              <a:t>7/17/2017</a:t>
+              <a:t>7/18/2017</a:t>
             </a:fld>
             <a:endParaRPr lang="en-US"/>
           </a:p>
@@ -17005,7 +17187,7 @@
             <a:fld id="{544213AF-26F6-41FA-8D85-E2C5388D6E58}" type="datetimeFigureOut">
               <a:rPr lang="en-US" smtClean="0"/>
               <a:pPr eaLnBrk="1" latinLnBrk="0" hangingPunct="1"/>
-              <a:t>7/17/2017</a:t>
+              <a:t>7/18/2017</a:t>
             </a:fld>
             <a:endParaRPr lang="en-US"/>
           </a:p>
@@ -17408,7 +17590,7 @@
             <a:fld id="{544213AF-26F6-41FA-8D85-E2C5388D6E58}" type="datetimeFigureOut">
               <a:rPr lang="en-US" smtClean="0"/>
               <a:pPr eaLnBrk="1" latinLnBrk="0" hangingPunct="1"/>
-              <a:t>7/17/2017</a:t>
+              <a:t>7/18/2017</a:t>
             </a:fld>
             <a:endParaRPr lang="en-US"/>
           </a:p>
@@ -17848,7 +18030,7 @@
             <a:fld id="{544213AF-26F6-41FA-8D85-E2C5388D6E58}" type="datetimeFigureOut">
               <a:rPr lang="en-US" smtClean="0"/>
               <a:pPr eaLnBrk="1" latinLnBrk="0" hangingPunct="1"/>
-              <a:t>7/17/2017</a:t>
+              <a:t>7/18/2017</a:t>
             </a:fld>
             <a:endParaRPr lang="en-US"/>
           </a:p>
@@ -17947,7 +18129,7 @@
             <a:fld id="{544213AF-26F6-41FA-8D85-E2C5388D6E58}" type="datetimeFigureOut">
               <a:rPr lang="en-US" smtClean="0"/>
               <a:pPr eaLnBrk="1" latinLnBrk="0" hangingPunct="1"/>
-              <a:t>7/17/2017</a:t>
+              <a:t>7/18/2017</a:t>
             </a:fld>
             <a:endParaRPr lang="en-US"/>
           </a:p>
@@ -18063,7 +18245,7 @@
             <a:fld id="{544213AF-26F6-41FA-8D85-E2C5388D6E58}" type="datetimeFigureOut">
               <a:rPr lang="en-US" smtClean="0"/>
               <a:pPr eaLnBrk="1" latinLnBrk="0" hangingPunct="1"/>
-              <a:t>7/17/2017</a:t>
+              <a:t>7/18/2017</a:t>
             </a:fld>
             <a:endParaRPr lang="en-US"/>
           </a:p>
@@ -18334,7 +18516,7 @@
             <a:fld id="{544213AF-26F6-41FA-8D85-E2C5388D6E58}" type="datetimeFigureOut">
               <a:rPr lang="en-US" smtClean="0"/>
               <a:pPr eaLnBrk="1" latinLnBrk="0" hangingPunct="1"/>
-              <a:t>7/17/2017</a:t>
+              <a:t>7/18/2017</a:t>
             </a:fld>
             <a:endParaRPr lang="en-US"/>
           </a:p>
@@ -18539,7 +18721,7 @@
             <a:fld id="{544213AF-26F6-41FA-8D85-E2C5388D6E58}" type="datetimeFigureOut">
               <a:rPr lang="en-US" smtClean="0"/>
               <a:pPr eaLnBrk="1" latinLnBrk="0" hangingPunct="1"/>
-              <a:t>7/17/2017</a:t>
+              <a:t>7/18/2017</a:t>
             </a:fld>
             <a:endParaRPr lang="en-US">
               <a:solidFill>
@@ -19641,7 +19823,7 @@
             <a:fld id="{544213AF-26F6-41FA-8D85-E2C5388D6E58}" type="datetimeFigureOut">
               <a:rPr lang="en-US" smtClean="0"/>
               <a:pPr eaLnBrk="1" latinLnBrk="0" hangingPunct="1"/>
-              <a:t>7/17/2017</a:t>
+              <a:t>7/18/2017</a:t>
             </a:fld>
             <a:endParaRPr lang="en-US" sz="1000" dirty="0">
               <a:solidFill>
@@ -29358,7 +29540,7 @@
             </a:r>
             <a:r>
               <a:rPr lang="it-IT" sz="1400" dirty="0"/>
-              <a:t>’)</a:t>
+              <a:t>’,’zona’)</a:t>
             </a:r>
           </a:p>
           <a:p>
@@ -30279,7 +30461,7 @@
             <p:ph idx="1"/>
             <p:extLst>
               <p:ext uri="{D42A27DB-BD31-4B8C-83A1-F6EECF244321}">
-                <p14:modId xmlns:p14="http://schemas.microsoft.com/office/powerpoint/2010/main" val="2162031710"/>
+                <p14:modId xmlns:p14="http://schemas.microsoft.com/office/powerpoint/2010/main" val="3220366836"/>
               </p:ext>
             </p:extLst>
           </p:nvPr>
@@ -31085,7 +31267,7 @@
             <p:ph idx="1"/>
             <p:extLst>
               <p:ext uri="{D42A27DB-BD31-4B8C-83A1-F6EECF244321}">
-                <p14:modId xmlns:p14="http://schemas.microsoft.com/office/powerpoint/2010/main" val="3224041056"/>
+                <p14:modId xmlns:p14="http://schemas.microsoft.com/office/powerpoint/2010/main" val="4011290098"/>
               </p:ext>
             </p:extLst>
           </p:nvPr>
@@ -31175,7 +31357,7 @@
             <p:ph idx="1"/>
             <p:extLst>
               <p:ext uri="{D42A27DB-BD31-4B8C-83A1-F6EECF244321}">
-                <p14:modId xmlns:p14="http://schemas.microsoft.com/office/powerpoint/2010/main" val="2772317888"/>
+                <p14:modId xmlns:p14="http://schemas.microsoft.com/office/powerpoint/2010/main" val="2018530869"/>
               </p:ext>
             </p:extLst>
           </p:nvPr>
@@ -31265,7 +31447,7 @@
             <p:ph idx="1"/>
             <p:extLst>
               <p:ext uri="{D42A27DB-BD31-4B8C-83A1-F6EECF244321}">
-                <p14:modId xmlns:p14="http://schemas.microsoft.com/office/powerpoint/2010/main" val="540567755"/>
+                <p14:modId xmlns:p14="http://schemas.microsoft.com/office/powerpoint/2010/main" val="782168578"/>
               </p:ext>
             </p:extLst>
           </p:nvPr>
@@ -31355,7 +31537,7 @@
             <p:ph idx="1"/>
             <p:extLst>
               <p:ext uri="{D42A27DB-BD31-4B8C-83A1-F6EECF244321}">
-                <p14:modId xmlns:p14="http://schemas.microsoft.com/office/powerpoint/2010/main" val="2247995482"/>
+                <p14:modId xmlns:p14="http://schemas.microsoft.com/office/powerpoint/2010/main" val="3442910820"/>
               </p:ext>
             </p:extLst>
           </p:nvPr>
@@ -31535,7 +31717,7 @@
             <p:ph idx="1"/>
             <p:extLst>
               <p:ext uri="{D42A27DB-BD31-4B8C-83A1-F6EECF244321}">
-                <p14:modId xmlns:p14="http://schemas.microsoft.com/office/powerpoint/2010/main" val="705043573"/>
+                <p14:modId xmlns:p14="http://schemas.microsoft.com/office/powerpoint/2010/main" val="1143801747"/>
               </p:ext>
             </p:extLst>
           </p:nvPr>
@@ -32374,7 +32556,7 @@
             </a:r>
             <a:r>
               <a:rPr lang="en-US" dirty="0" err="1"/>
-              <a:t>modlità</a:t>
+              <a:t>modalità</a:t>
             </a:r>
             <a:r>
               <a:rPr lang="en-US" dirty="0"/>
